--- a/_LECTIONS/3/3_Classes.pptx
+++ b/_LECTIONS/3/3_Classes.pptx
@@ -5,7 +5,7 @@
     <p:sldMasterId id="2147483660" r:id="rId1"/>
   </p:sldMasterIdLst>
   <p:notesMasterIdLst>
-    <p:notesMasterId r:id="rId50"/>
+    <p:notesMasterId r:id="rId53"/>
   </p:notesMasterIdLst>
   <p:sldIdLst>
     <p:sldId id="256" r:id="rId2"/>
@@ -51,11 +51,14 @@
     <p:sldId id="292" r:id="rId42"/>
     <p:sldId id="299" r:id="rId43"/>
     <p:sldId id="300" r:id="rId44"/>
-    <p:sldId id="311" r:id="rId45"/>
-    <p:sldId id="302" r:id="rId46"/>
-    <p:sldId id="303" r:id="rId47"/>
-    <p:sldId id="304" r:id="rId48"/>
-    <p:sldId id="305" r:id="rId49"/>
+    <p:sldId id="313" r:id="rId45"/>
+    <p:sldId id="311" r:id="rId46"/>
+    <p:sldId id="258" r:id="rId47"/>
+    <p:sldId id="314" r:id="rId48"/>
+    <p:sldId id="302" r:id="rId49"/>
+    <p:sldId id="303" r:id="rId50"/>
+    <p:sldId id="304" r:id="rId51"/>
+    <p:sldId id="305" r:id="rId52"/>
   </p:sldIdLst>
   <p:sldSz cx="12192000" cy="6858000"/>
   <p:notesSz cx="6858000" cy="9144000"/>
@@ -244,7 +247,7 @@
           <a:p>
             <a:fld id="{370CCC78-CFB0-482A-9981-FC8EAE817B2F}" type="datetimeFigureOut">
               <a:rPr lang="ru-RU" smtClean="0"/>
-              <a:t>30.04.2021</a:t>
+              <a:t>08.10.2021</a:t>
             </a:fld>
             <a:endParaRPr lang="ru-RU"/>
           </a:p>
@@ -1318,7 +1321,7 @@
           <a:p>
             <a:fld id="{86B58C0F-B107-447C-9930-417FE1FA4FE5}" type="datetimeFigureOut">
               <a:rPr lang="ru-RU" smtClean="0"/>
-              <a:t>30.04.2021</a:t>
+              <a:t>08.10.2021</a:t>
             </a:fld>
             <a:endParaRPr lang="ru-RU"/>
           </a:p>
@@ -1569,7 +1572,7 @@
           <a:p>
             <a:fld id="{86B58C0F-B107-447C-9930-417FE1FA4FE5}" type="datetimeFigureOut">
               <a:rPr lang="ru-RU" smtClean="0"/>
-              <a:t>30.04.2021</a:t>
+              <a:t>08.10.2021</a:t>
             </a:fld>
             <a:endParaRPr lang="ru-RU"/>
           </a:p>
@@ -1883,7 +1886,7 @@
           <a:p>
             <a:fld id="{86B58C0F-B107-447C-9930-417FE1FA4FE5}" type="datetimeFigureOut">
               <a:rPr lang="ru-RU" smtClean="0"/>
-              <a:t>30.04.2021</a:t>
+              <a:t>08.10.2021</a:t>
             </a:fld>
             <a:endParaRPr lang="ru-RU"/>
           </a:p>
@@ -2224,7 +2227,7 @@
           <a:p>
             <a:fld id="{86B58C0F-B107-447C-9930-417FE1FA4FE5}" type="datetimeFigureOut">
               <a:rPr lang="ru-RU" smtClean="0"/>
-              <a:t>30.04.2021</a:t>
+              <a:t>08.10.2021</a:t>
             </a:fld>
             <a:endParaRPr lang="ru-RU"/>
           </a:p>
@@ -2538,7 +2541,7 @@
           <a:p>
             <a:fld id="{86B58C0F-B107-447C-9930-417FE1FA4FE5}" type="datetimeFigureOut">
               <a:rPr lang="ru-RU" smtClean="0"/>
-              <a:t>30.04.2021</a:t>
+              <a:t>08.10.2021</a:t>
             </a:fld>
             <a:endParaRPr lang="ru-RU"/>
           </a:p>
@@ -2931,7 +2934,7 @@
           <a:p>
             <a:fld id="{86B58C0F-B107-447C-9930-417FE1FA4FE5}" type="datetimeFigureOut">
               <a:rPr lang="ru-RU" smtClean="0"/>
-              <a:t>30.04.2021</a:t>
+              <a:t>08.10.2021</a:t>
             </a:fld>
             <a:endParaRPr lang="ru-RU"/>
           </a:p>
@@ -3101,7 +3104,7 @@
           <a:p>
             <a:fld id="{86B58C0F-B107-447C-9930-417FE1FA4FE5}" type="datetimeFigureOut">
               <a:rPr lang="ru-RU" smtClean="0"/>
-              <a:t>30.04.2021</a:t>
+              <a:t>08.10.2021</a:t>
             </a:fld>
             <a:endParaRPr lang="ru-RU"/>
           </a:p>
@@ -3281,7 +3284,7 @@
           <a:p>
             <a:fld id="{86B58C0F-B107-447C-9930-417FE1FA4FE5}" type="datetimeFigureOut">
               <a:rPr lang="ru-RU" smtClean="0"/>
-              <a:t>30.04.2021</a:t>
+              <a:t>08.10.2021</a:t>
             </a:fld>
             <a:endParaRPr lang="ru-RU"/>
           </a:p>
@@ -3457,7 +3460,7 @@
           <a:p>
             <a:fld id="{86B58C0F-B107-447C-9930-417FE1FA4FE5}" type="datetimeFigureOut">
               <a:rPr lang="ru-RU" smtClean="0"/>
-              <a:t>30.04.2021</a:t>
+              <a:t>08.10.2021</a:t>
             </a:fld>
             <a:endParaRPr lang="ru-RU"/>
           </a:p>
@@ -3704,7 +3707,7 @@
           <a:p>
             <a:fld id="{86B58C0F-B107-447C-9930-417FE1FA4FE5}" type="datetimeFigureOut">
               <a:rPr lang="ru-RU" smtClean="0"/>
-              <a:t>30.04.2021</a:t>
+              <a:t>08.10.2021</a:t>
             </a:fld>
             <a:endParaRPr lang="ru-RU"/>
           </a:p>
@@ -3936,7 +3939,7 @@
           <a:p>
             <a:fld id="{86B58C0F-B107-447C-9930-417FE1FA4FE5}" type="datetimeFigureOut">
               <a:rPr lang="ru-RU" smtClean="0"/>
-              <a:t>30.04.2021</a:t>
+              <a:t>08.10.2021</a:t>
             </a:fld>
             <a:endParaRPr lang="ru-RU"/>
           </a:p>
@@ -4310,7 +4313,7 @@
           <a:p>
             <a:fld id="{86B58C0F-B107-447C-9930-417FE1FA4FE5}" type="datetimeFigureOut">
               <a:rPr lang="ru-RU" smtClean="0"/>
-              <a:t>30.04.2021</a:t>
+              <a:t>08.10.2021</a:t>
             </a:fld>
             <a:endParaRPr lang="ru-RU"/>
           </a:p>
@@ -4433,7 +4436,7 @@
           <a:p>
             <a:fld id="{86B58C0F-B107-447C-9930-417FE1FA4FE5}" type="datetimeFigureOut">
               <a:rPr lang="ru-RU" smtClean="0"/>
-              <a:t>30.04.2021</a:t>
+              <a:t>08.10.2021</a:t>
             </a:fld>
             <a:endParaRPr lang="ru-RU"/>
           </a:p>
@@ -4528,7 +4531,7 @@
           <a:p>
             <a:fld id="{86B58C0F-B107-447C-9930-417FE1FA4FE5}" type="datetimeFigureOut">
               <a:rPr lang="ru-RU" smtClean="0"/>
-              <a:t>30.04.2021</a:t>
+              <a:t>08.10.2021</a:t>
             </a:fld>
             <a:endParaRPr lang="ru-RU"/>
           </a:p>
@@ -4783,7 +4786,7 @@
           <a:p>
             <a:fld id="{86B58C0F-B107-447C-9930-417FE1FA4FE5}" type="datetimeFigureOut">
               <a:rPr lang="ru-RU" smtClean="0"/>
-              <a:t>30.04.2021</a:t>
+              <a:t>08.10.2021</a:t>
             </a:fld>
             <a:endParaRPr lang="ru-RU"/>
           </a:p>
@@ -5046,7 +5049,7 @@
           <a:p>
             <a:fld id="{86B58C0F-B107-447C-9930-417FE1FA4FE5}" type="datetimeFigureOut">
               <a:rPr lang="ru-RU" smtClean="0"/>
-              <a:t>30.04.2021</a:t>
+              <a:t>08.10.2021</a:t>
             </a:fld>
             <a:endParaRPr lang="ru-RU"/>
           </a:p>
@@ -5789,7 +5792,7 @@
           <a:p>
             <a:fld id="{86B58C0F-B107-447C-9930-417FE1FA4FE5}" type="datetimeFigureOut">
               <a:rPr lang="ru-RU" smtClean="0"/>
-              <a:t>30.04.2021</a:t>
+              <a:t>08.10.2021</a:t>
             </a:fld>
             <a:endParaRPr lang="ru-RU"/>
           </a:p>
@@ -21677,8 +21680,12 @@
           <a:lstStyle/>
           <a:p>
             <a:r>
+              <a:rPr lang="en-US" sz="3200" dirty="0"/>
+              <a:t>Dynamic Dispatch (</a:t>
+            </a:r>
+            <a:r>
               <a:rPr lang="ru-RU" sz="3200" dirty="0"/>
-              <a:t>Динамическая диспетчеризация ссылок</a:t>
+              <a:t>Полиморфизм)</a:t>
             </a:r>
           </a:p>
         </p:txBody>
@@ -22669,8 +22676,12 @@
           <a:lstStyle/>
           <a:p>
             <a:r>
-              <a:rPr lang="ru-RU" dirty="0"/>
-              <a:t>Анонимные классы</a:t>
+              <a:rPr lang="en-US" dirty="0"/>
+              <a:t>default-</a:t>
+            </a:r>
+            <a:r>
+              <a:rPr lang="ru-RU" dirty="0"/>
+              <a:t>методы в интерфейсах</a:t>
             </a:r>
           </a:p>
         </p:txBody>
@@ -22692,48 +22703,53 @@
           <a:p>
             <a:r>
               <a:rPr lang="ru-RU" dirty="0"/>
-              <a:t>Является одними из вложенных классов</a:t>
-            </a:r>
-          </a:p>
-          <a:p>
-            <a:r>
-              <a:rPr lang="ru-RU" dirty="0"/>
-              <a:t>Позволяет создать класс без имени</a:t>
-            </a:r>
-          </a:p>
-          <a:p>
-            <a:r>
-              <a:rPr lang="ru-RU" dirty="0"/>
-              <a:t>Анонимный класс всегда расширяет какой-то класс или интерфейс.</a:t>
-            </a:r>
-          </a:p>
-          <a:p>
-            <a:endParaRPr lang="ru-RU" dirty="0"/>
-          </a:p>
-          <a:p>
-            <a:r>
-              <a:rPr lang="ru-RU" dirty="0"/>
-              <a:t>При создании анонимного класса:</a:t>
-            </a:r>
-          </a:p>
-          <a:p>
-            <a:pPr lvl="1"/>
-            <a:r>
-              <a:rPr lang="ru-RU" dirty="0"/>
-              <a:t>Происходит объявление нового класса</a:t>
-            </a:r>
-          </a:p>
-          <a:p>
-            <a:pPr lvl="1"/>
-            <a:r>
-              <a:rPr lang="ru-RU" dirty="0"/>
-              <a:t>Создание объекта этого класса</a:t>
-            </a:r>
-          </a:p>
-          <a:p>
+              <a:t>Начиная с </a:t>
+            </a:r>
             <a:r>
               <a:rPr lang="en-US" dirty="0"/>
-              <a:t>Demo</a:t>
+              <a:t>Java 8 </a:t>
+            </a:r>
+            <a:r>
+              <a:rPr lang="ru-RU" dirty="0"/>
+              <a:t>в интерфейсах можно писать реализацию методов</a:t>
+            </a:r>
+          </a:p>
+          <a:p>
+            <a:r>
+              <a:rPr lang="ru-RU" dirty="0"/>
+              <a:t>для этого используется модификатор </a:t>
+            </a:r>
+            <a:r>
+              <a:rPr lang="en-US" dirty="0"/>
+              <a:t>default</a:t>
+            </a:r>
+          </a:p>
+          <a:p>
+            <a:r>
+              <a:rPr lang="ru-RU" dirty="0"/>
+              <a:t>Если класс реализует несколько интерфейсов, у которых </a:t>
+            </a:r>
+            <a:r>
+              <a:rPr lang="en-US" dirty="0"/>
+              <a:t>default </a:t>
+            </a:r>
+            <a:r>
+              <a:rPr lang="ru-RU" dirty="0"/>
+              <a:t>методы совпадают по сигнатуре – ошибка компиляции</a:t>
+            </a:r>
+          </a:p>
+          <a:p>
+            <a:r>
+              <a:rPr lang="en-US" dirty="0"/>
+              <a:t>Demo </a:t>
+            </a:r>
+            <a:r>
+              <a:rPr lang="en-US" dirty="0" err="1"/>
+              <a:t>Hello,Animal</a:t>
+            </a:r>
+            <a:r>
+              <a:rPr lang="en-US" dirty="0"/>
+              <a:t>!</a:t>
             </a:r>
             <a:endParaRPr lang="ru-RU" dirty="0"/>
           </a:p>
@@ -22742,7 +22758,7 @@
     </p:spTree>
     <p:extLst>
       <p:ext uri="{BB962C8B-B14F-4D97-AF65-F5344CB8AC3E}">
-        <p14:creationId xmlns:p14="http://schemas.microsoft.com/office/powerpoint/2010/main" val="668662349"/>
+        <p14:creationId xmlns:p14="http://schemas.microsoft.com/office/powerpoint/2010/main" val="4112479800"/>
       </p:ext>
     </p:extLst>
   </p:cSld>
@@ -22785,16 +22801,8 @@
           <a:lstStyle/>
           <a:p>
             <a:r>
-              <a:rPr lang="en-US" dirty="0" err="1"/>
-              <a:t>Enum</a:t>
-            </a:r>
-            <a:r>
-              <a:rPr lang="en-US" dirty="0"/>
-              <a:t> (</a:t>
-            </a:r>
-            <a:r>
-              <a:rPr lang="ru-RU" dirty="0"/>
-              <a:t>перечисления)</a:t>
+              <a:rPr lang="ru-RU" dirty="0"/>
+              <a:t>Анонимные классы</a:t>
             </a:r>
           </a:p>
         </p:txBody>
@@ -22816,57 +22824,57 @@
           <a:p>
             <a:r>
               <a:rPr lang="ru-RU" dirty="0"/>
-              <a:t>Перечисление позволяет ограничить множество значений, которое может принимать какая-то переменная</a:t>
-            </a:r>
-          </a:p>
-          <a:p>
-            <a:r>
-              <a:rPr lang="ru-RU" dirty="0"/>
-              <a:t>Это позволяет вызывать методы более безопасно, по сравнению с аргументами типа </a:t>
-            </a:r>
-            <a:r>
-              <a:rPr lang="en-US" dirty="0" err="1"/>
-              <a:t>int</a:t>
-            </a:r>
+              <a:t>Является одними из вложенных классов</a:t>
+            </a:r>
+          </a:p>
+          <a:p>
+            <a:r>
+              <a:rPr lang="ru-RU" dirty="0"/>
+              <a:t>Позволяет создать класс без имени</a:t>
+            </a:r>
+          </a:p>
+          <a:p>
+            <a:r>
+              <a:rPr lang="ru-RU" dirty="0"/>
+              <a:t>Анонимный класс всегда расширяет какой-то класс или интерфейс.</a:t>
+            </a:r>
+          </a:p>
+          <a:p>
+            <a:endParaRPr lang="ru-RU" dirty="0"/>
+          </a:p>
+          <a:p>
+            <a:r>
+              <a:rPr lang="ru-RU" dirty="0"/>
+              <a:t>При создании анонимного класса:</a:t>
+            </a:r>
+          </a:p>
+          <a:p>
+            <a:pPr lvl="1"/>
+            <a:r>
+              <a:rPr lang="ru-RU" dirty="0"/>
+              <a:t>Происходит объявление нового класса</a:t>
+            </a:r>
+          </a:p>
+          <a:p>
+            <a:pPr lvl="1"/>
+            <a:r>
+              <a:rPr lang="ru-RU" dirty="0"/>
+              <a:t>Создание объекта этого класса</a:t>
+            </a:r>
+          </a:p>
+          <a:p>
             <a:r>
               <a:rPr lang="en-US" dirty="0"/>
-              <a:t>/String </a:t>
-            </a:r>
-            <a:r>
-              <a:rPr lang="ru-RU" dirty="0"/>
-              <a:t>и константами</a:t>
-            </a:r>
+              <a:t>Demo</a:t>
+            </a:r>
+            <a:endParaRPr lang="ru-RU" dirty="0"/>
           </a:p>
         </p:txBody>
       </p:sp>
-      <p:pic>
-        <p:nvPicPr>
-          <p:cNvPr id="4" name="Picture 3"/>
-          <p:cNvPicPr>
-            <a:picLocks noChangeAspect="1"/>
-          </p:cNvPicPr>
-          <p:nvPr/>
-        </p:nvPicPr>
-        <p:blipFill>
-          <a:blip r:embed="rId2"/>
-          <a:stretch>
-            <a:fillRect/>
-          </a:stretch>
-        </p:blipFill>
-        <p:spPr>
-          <a:xfrm>
-            <a:off x="1248508" y="3850612"/>
-            <a:ext cx="5562600" cy="2190750"/>
-          </a:xfrm>
-          <a:prstGeom prst="rect">
-            <a:avLst/>
-          </a:prstGeom>
-        </p:spPr>
-      </p:pic>
     </p:spTree>
     <p:extLst>
       <p:ext uri="{BB962C8B-B14F-4D97-AF65-F5344CB8AC3E}">
-        <p14:creationId xmlns:p14="http://schemas.microsoft.com/office/powerpoint/2010/main" val="746854813"/>
+        <p14:creationId xmlns:p14="http://schemas.microsoft.com/office/powerpoint/2010/main" val="668662349"/>
       </p:ext>
     </p:extLst>
   </p:cSld>
@@ -22910,13 +22918,8 @@
           <a:p>
             <a:r>
               <a:rPr lang="ru-RU" dirty="0"/>
-              <a:t>Объявление и использование </a:t>
-            </a:r>
-            <a:r>
-              <a:rPr lang="en-US" dirty="0" err="1"/>
-              <a:t>enum</a:t>
-            </a:r>
-            <a:endParaRPr lang="ru-RU" dirty="0"/>
+              <a:t>Лямбда выражения</a:t>
+            </a:r>
           </a:p>
         </p:txBody>
       </p:sp>
@@ -22932,112 +22935,116 @@
         </p:nvSpPr>
         <p:spPr/>
         <p:txBody>
-          <a:bodyPr>
-            <a:normAutofit/>
-          </a:bodyPr>
+          <a:bodyPr/>
           <a:lstStyle/>
           <a:p>
             <a:r>
-              <a:rPr lang="en-US" sz="1600" dirty="0" err="1"/>
-              <a:t>enum</a:t>
-            </a:r>
-            <a:r>
-              <a:rPr lang="en-US" sz="1600" dirty="0"/>
-              <a:t> – </a:t>
-            </a:r>
-            <a:r>
-              <a:rPr lang="ru-RU" sz="1600" dirty="0"/>
-              <a:t>это тип</a:t>
-            </a:r>
-          </a:p>
-          <a:p>
-            <a:r>
-              <a:rPr lang="en-US" sz="1600" dirty="0" err="1"/>
-              <a:t>enum</a:t>
-            </a:r>
-            <a:r>
-              <a:rPr lang="en-US" sz="1600" dirty="0"/>
+              <a:rPr lang="ru-RU" dirty="0"/>
+              <a:t>Упрощает создание реализаций интерфейсов</a:t>
+            </a:r>
+            <a:r>
+              <a:rPr lang="ru-RU" b="1" dirty="0"/>
+              <a:t> с одним методом</a:t>
+            </a:r>
+            <a:r>
+              <a:rPr lang="en-US" b="1" dirty="0"/>
+              <a:t> (</a:t>
+            </a:r>
+            <a:r>
+              <a:rPr lang="en-US" dirty="0"/>
+              <a:t>@</a:t>
+            </a:r>
+            <a:r>
+              <a:rPr lang="en-US" dirty="0" err="1"/>
+              <a:t>FunctionalInterface</a:t>
+            </a:r>
+            <a:r>
+              <a:rPr lang="en-US" b="1" dirty="0"/>
+              <a:t>)</a:t>
+            </a:r>
+            <a:r>
+              <a:rPr lang="ru-RU" dirty="0"/>
+              <a:t>.</a:t>
+            </a:r>
+          </a:p>
+          <a:p>
+            <a:r>
+              <a:rPr lang="ru-RU" dirty="0"/>
+              <a:t>Логически заменяет собой </a:t>
+            </a:r>
+            <a:r>
+              <a:rPr lang="ru-RU" b="1" dirty="0"/>
+              <a:t>анонимный класс</a:t>
+            </a:r>
+          </a:p>
+          <a:p>
+            <a:r>
+              <a:rPr lang="en-US" dirty="0"/>
+              <a:t>default </a:t>
+            </a:r>
+            <a:r>
+              <a:rPr lang="ru-RU" dirty="0"/>
+              <a:t>методы не мешают создавать лямбда выражения</a:t>
+            </a:r>
+          </a:p>
+          <a:p>
+            <a:r>
+              <a:rPr lang="ru-RU" dirty="0"/>
+              <a:t>Внутри </a:t>
+            </a:r>
+            <a:r>
+              <a:rPr lang="ru-RU" dirty="0" err="1"/>
+              <a:t>лямба</a:t>
+            </a:r>
+            <a:r>
+              <a:rPr lang="ru-RU" dirty="0"/>
+              <a:t>-выражений можно использовать только </a:t>
+            </a:r>
+            <a:r>
+              <a:rPr lang="en-US" b="1" dirty="0"/>
+              <a:t>final</a:t>
+            </a:r>
+            <a:r>
+              <a:rPr lang="en-US" dirty="0"/>
               <a:t> </a:t>
             </a:r>
             <a:r>
-              <a:rPr lang="ru-RU" sz="1600" dirty="0"/>
-              <a:t>объявляется как класс, но с ключевым словом </a:t>
-            </a:r>
-            <a:r>
-              <a:rPr lang="en-US" sz="1600" b="1" dirty="0" err="1"/>
-              <a:t>enum</a:t>
-            </a:r>
-            <a:endParaRPr lang="en-US" sz="1600" b="1" dirty="0"/>
-          </a:p>
-          <a:p>
-            <a:r>
-              <a:rPr lang="ru-RU" sz="1600" dirty="0"/>
-              <a:t>Для доступа к элементам перечисления используется</a:t>
-            </a:r>
-            <a:br>
-              <a:rPr lang="ru-RU" sz="1600" dirty="0"/>
-            </a:br>
-            <a:r>
-              <a:rPr lang="ru-RU" sz="1600" dirty="0"/>
-              <a:t>синтаксис, похожий на доступ к статическим переменным:</a:t>
-            </a:r>
-            <a:br>
-              <a:rPr lang="ru-RU" sz="1600" dirty="0"/>
-            </a:br>
-            <a:r>
-              <a:rPr lang="ru-RU" sz="1600" b="1" dirty="0"/>
-              <a:t>Имя</a:t>
-            </a:r>
-            <a:r>
-              <a:rPr lang="en-US" sz="1600" b="1" dirty="0" err="1"/>
-              <a:t>Enum</a:t>
-            </a:r>
-            <a:r>
-              <a:rPr lang="en-US" sz="1600" b="1" dirty="0"/>
-              <a:t>.</a:t>
-            </a:r>
-            <a:r>
-              <a:rPr lang="ru-RU" sz="1600" b="1" dirty="0"/>
-              <a:t>ИМЯ_ЭЛЕМЕНТА</a:t>
-            </a:r>
-            <a:endParaRPr lang="en-US" sz="1600" b="1" dirty="0"/>
+              <a:rPr lang="ru-RU" dirty="0"/>
+              <a:t>и </a:t>
+            </a:r>
+            <a:r>
+              <a:rPr lang="en-US" b="1" dirty="0"/>
+              <a:t>effectively</a:t>
+            </a:r>
+            <a:r>
+              <a:rPr lang="ru-RU" b="1"/>
+              <a:t>-</a:t>
+            </a:r>
+            <a:r>
+              <a:rPr lang="en-US" b="1"/>
+              <a:t>final</a:t>
+            </a:r>
+            <a:r>
+              <a:rPr lang="en-US"/>
+              <a:t> </a:t>
+            </a:r>
+            <a:r>
+              <a:rPr lang="ru-RU" dirty="0"/>
+              <a:t>переменные!</a:t>
+            </a:r>
           </a:p>
           <a:p>
             <a:pPr marL="0" indent="0">
               <a:buNone/>
             </a:pPr>
-            <a:endParaRPr lang="ru-RU" sz="1600" b="1" dirty="0"/>
+            <a:endParaRPr lang="ru-RU" dirty="0"/>
           </a:p>
         </p:txBody>
       </p:sp>
-      <p:pic>
-        <p:nvPicPr>
-          <p:cNvPr id="4" name="Picture 3"/>
-          <p:cNvPicPr>
-            <a:picLocks noChangeAspect="1"/>
-          </p:cNvPicPr>
-          <p:nvPr/>
-        </p:nvPicPr>
-        <p:blipFill>
-          <a:blip r:embed="rId2"/>
-          <a:stretch>
-            <a:fillRect/>
-          </a:stretch>
-        </p:blipFill>
-        <p:spPr>
-          <a:xfrm>
-            <a:off x="7067550" y="1527543"/>
-            <a:ext cx="5124450" cy="3829050"/>
-          </a:xfrm>
-          <a:prstGeom prst="rect">
-            <a:avLst/>
-          </a:prstGeom>
-        </p:spPr>
-      </p:pic>
     </p:spTree>
     <p:extLst>
       <p:ext uri="{BB962C8B-B14F-4D97-AF65-F5344CB8AC3E}">
-        <p14:creationId xmlns:p14="http://schemas.microsoft.com/office/powerpoint/2010/main" val="212533901"/>
+        <p14:creationId xmlns:p14="http://schemas.microsoft.com/office/powerpoint/2010/main" val="3814459241"/>
       </p:ext>
     </p:extLst>
   </p:cSld>
@@ -23080,185 +23087,436 @@
           <a:lstStyle/>
           <a:p>
             <a:r>
-              <a:rPr lang="en-US" dirty="0" err="1"/>
-              <a:t>Enum</a:t>
-            </a:r>
-            <a:r>
-              <a:rPr lang="en-US" dirty="0"/>
-              <a:t> – </a:t>
-            </a:r>
-            <a:r>
-              <a:rPr lang="ru-RU" dirty="0"/>
-              <a:t>это класс</a:t>
+              <a:rPr lang="ru-RU" dirty="0"/>
+              <a:t>Пример</a:t>
             </a:r>
           </a:p>
         </p:txBody>
       </p:sp>
-      <p:sp>
-        <p:nvSpPr>
-          <p:cNvPr id="3" name="Content Placeholder 2"/>
-          <p:cNvSpPr>
-            <a:spLocks noGrp="1"/>
-          </p:cNvSpPr>
+      <p:pic>
+        <p:nvPicPr>
+          <p:cNvPr id="4" name="Content Placeholder 3">
+            <a:extLst/>
+          </p:cNvPr>
+          <p:cNvPicPr>
+            <a:picLocks noGrp="1" noChangeAspect="1"/>
+          </p:cNvPicPr>
           <p:nvPr>
             <p:ph idx="1"/>
           </p:nvPr>
-        </p:nvSpPr>
-        <p:spPr/>
-        <p:txBody>
-          <a:bodyPr/>
-          <a:lstStyle/>
-          <a:p>
-            <a:r>
-              <a:rPr lang="ru-RU" dirty="0"/>
-              <a:t>Объявляя </a:t>
-            </a:r>
-            <a:r>
-              <a:rPr lang="en-US" dirty="0" err="1"/>
-              <a:t>enum</a:t>
-            </a:r>
-            <a:r>
-              <a:rPr lang="en-US" dirty="0"/>
-              <a:t> </a:t>
-            </a:r>
-            <a:r>
-              <a:rPr lang="ru-RU" dirty="0"/>
-              <a:t>мы неявно создаем класс производный от </a:t>
-            </a:r>
-            <a:r>
-              <a:rPr lang="en-US" dirty="0" err="1"/>
-              <a:t>java.lang.Enum</a:t>
-            </a:r>
-            <a:r>
-              <a:rPr lang="en-US" dirty="0"/>
-              <a:t>. </a:t>
-            </a:r>
-            <a:endParaRPr lang="ru-RU" dirty="0"/>
-          </a:p>
-          <a:p>
-            <a:pPr marL="0" indent="0">
-              <a:buNone/>
-            </a:pPr>
-            <a:br>
-              <a:rPr lang="ru-RU" dirty="0"/>
-            </a:br>
-            <a:r>
-              <a:rPr lang="en-US" b="1" dirty="0" err="1"/>
-              <a:t>enum</a:t>
-            </a:r>
-            <a:r>
-              <a:rPr lang="en-US" b="1" dirty="0"/>
-              <a:t> Season { ... }</a:t>
-            </a:r>
-            <a:r>
-              <a:rPr lang="en-US" dirty="0"/>
-              <a:t> </a:t>
-            </a:r>
-            <a:br>
-              <a:rPr lang="ru-RU" dirty="0"/>
-            </a:br>
-            <a:r>
-              <a:rPr lang="ru-RU" dirty="0"/>
-              <a:t>неявно преобразовывается в </a:t>
-            </a:r>
-            <a:br>
-              <a:rPr lang="ru-RU" dirty="0"/>
-            </a:br>
-            <a:r>
-              <a:rPr lang="ru-RU" dirty="0"/>
-              <a:t> </a:t>
-            </a:r>
-            <a:r>
-              <a:rPr lang="en-US" b="1" dirty="0"/>
-              <a:t>class Season extends </a:t>
-            </a:r>
-            <a:r>
-              <a:rPr lang="en-US" b="1" dirty="0" err="1"/>
-              <a:t>java.lang.Enum</a:t>
-            </a:r>
-            <a:r>
-              <a:rPr lang="en-US" b="1" dirty="0"/>
-              <a:t> { ... }</a:t>
-            </a:r>
-            <a:r>
-              <a:rPr lang="en-US" dirty="0"/>
-              <a:t>. </a:t>
-            </a:r>
-          </a:p>
-          <a:p>
-            <a:r>
-              <a:rPr lang="ru-RU" dirty="0"/>
-              <a:t>Явным образом наследоваться от </a:t>
-            </a:r>
-            <a:r>
-              <a:rPr lang="en-US" dirty="0" err="1"/>
-              <a:t>java.lang.Enum</a:t>
-            </a:r>
-            <a:r>
-              <a:rPr lang="en-US" dirty="0"/>
-              <a:t> </a:t>
-            </a:r>
-            <a:r>
-              <a:rPr lang="ru-RU" dirty="0"/>
-              <a:t>не позволяет компилятор, но: </a:t>
-            </a:r>
-          </a:p>
-          <a:p>
-            <a:pPr marL="0" indent="0">
-              <a:buNone/>
-            </a:pPr>
-            <a:r>
-              <a:rPr lang="en-US" b="1" dirty="0" err="1"/>
-              <a:t>System.out.println</a:t>
-            </a:r>
-            <a:r>
-              <a:rPr lang="en-US" b="1" dirty="0"/>
-              <a:t>(</a:t>
-            </a:r>
-            <a:r>
-              <a:rPr lang="en-US" b="1" dirty="0" err="1"/>
-              <a:t>Season.class.getSuperclass</a:t>
-            </a:r>
-            <a:r>
-              <a:rPr lang="en-US" b="1" dirty="0"/>
-              <a:t>());</a:t>
-            </a:r>
-          </a:p>
-          <a:p>
-            <a:pPr marL="0" indent="0">
-              <a:buNone/>
-            </a:pPr>
-            <a:r>
-              <a:rPr lang="ru-RU" dirty="0"/>
-              <a:t>выводит:</a:t>
-            </a:r>
-          </a:p>
-          <a:p>
-            <a:pPr marL="0" indent="0">
-              <a:buNone/>
-            </a:pPr>
-            <a:r>
-              <a:rPr lang="en-US" b="1" dirty="0"/>
-              <a:t>class </a:t>
-            </a:r>
-            <a:r>
-              <a:rPr lang="en-US" b="1" dirty="0" err="1"/>
-              <a:t>java.lang.Enum</a:t>
-            </a:r>
-            <a:endParaRPr lang="ru-RU" b="1" dirty="0"/>
-          </a:p>
-        </p:txBody>
-      </p:sp>
+        </p:nvPicPr>
+        <p:blipFill>
+          <a:blip r:embed="rId2">
+            <a:lum/>
+            <a:alphaModFix/>
+          </a:blip>
+          <a:srcRect/>
+          <a:stretch>
+            <a:fillRect/>
+          </a:stretch>
+        </p:blipFill>
+        <p:spPr>
+          <a:xfrm>
+            <a:off x="548568" y="1194730"/>
+            <a:ext cx="5924550" cy="2028825"/>
+          </a:xfrm>
+          <a:prstGeom prst="rect">
+            <a:avLst/>
+          </a:prstGeom>
+          <a:noFill/>
+          <a:ln>
+            <a:noFill/>
+          </a:ln>
+        </p:spPr>
+      </p:pic>
+      <p:pic>
+        <p:nvPicPr>
+          <p:cNvPr id="5" name="Picture 4">
+            <a:extLst/>
+          </p:cNvPr>
+          <p:cNvPicPr>
+            <a:picLocks noChangeAspect="1"/>
+          </p:cNvPicPr>
+          <p:nvPr/>
+        </p:nvPicPr>
+        <p:blipFill>
+          <a:blip r:embed="rId3">
+            <a:lum/>
+            <a:alphaModFix/>
+          </a:blip>
+          <a:srcRect/>
+          <a:stretch>
+            <a:fillRect/>
+          </a:stretch>
+        </p:blipFill>
+        <p:spPr>
+          <a:xfrm>
+            <a:off x="548568" y="3223555"/>
+            <a:ext cx="5899085" cy="1988698"/>
+          </a:xfrm>
+          <a:prstGeom prst="rect">
+            <a:avLst/>
+          </a:prstGeom>
+          <a:noFill/>
+          <a:ln>
+            <a:noFill/>
+          </a:ln>
+        </p:spPr>
+      </p:pic>
+      <p:pic>
+        <p:nvPicPr>
+          <p:cNvPr id="6" name="Picture 5">
+            <a:extLst/>
+          </p:cNvPr>
+          <p:cNvPicPr>
+            <a:picLocks noChangeAspect="1"/>
+          </p:cNvPicPr>
+          <p:nvPr/>
+        </p:nvPicPr>
+        <p:blipFill>
+          <a:blip r:embed="rId4">
+            <a:lum/>
+            <a:alphaModFix/>
+          </a:blip>
+          <a:srcRect/>
+          <a:stretch>
+            <a:fillRect/>
+          </a:stretch>
+        </p:blipFill>
+        <p:spPr>
+          <a:xfrm>
+            <a:off x="485557" y="5328820"/>
+            <a:ext cx="4807412" cy="1176588"/>
+          </a:xfrm>
+          <a:prstGeom prst="rect">
+            <a:avLst/>
+          </a:prstGeom>
+          <a:noFill/>
+          <a:ln>
+            <a:noFill/>
+          </a:ln>
+        </p:spPr>
+      </p:pic>
+      <p:pic>
+        <p:nvPicPr>
+          <p:cNvPr id="7" name="Picture 6">
+            <a:extLst/>
+          </p:cNvPr>
+          <p:cNvPicPr>
+            <a:picLocks noChangeAspect="1"/>
+          </p:cNvPicPr>
+          <p:nvPr/>
+        </p:nvPicPr>
+        <p:blipFill>
+          <a:blip r:embed="rId5">
+            <a:lum/>
+            <a:alphaModFix/>
+          </a:blip>
+          <a:srcRect/>
+          <a:stretch>
+            <a:fillRect/>
+          </a:stretch>
+        </p:blipFill>
+        <p:spPr>
+          <a:xfrm>
+            <a:off x="6051046" y="5293120"/>
+            <a:ext cx="6445911" cy="700947"/>
+          </a:xfrm>
+          <a:prstGeom prst="rect">
+            <a:avLst/>
+          </a:prstGeom>
+          <a:noFill/>
+          <a:ln>
+            <a:noFill/>
+          </a:ln>
+        </p:spPr>
+      </p:pic>
+      <p:pic>
+        <p:nvPicPr>
+          <p:cNvPr id="9" name="Picture 8">
+            <a:extLst/>
+          </p:cNvPr>
+          <p:cNvPicPr>
+            <a:picLocks noChangeAspect="1"/>
+          </p:cNvPicPr>
+          <p:nvPr/>
+        </p:nvPicPr>
+        <p:blipFill>
+          <a:blip r:embed="rId6">
+            <a:lum/>
+            <a:alphaModFix/>
+          </a:blip>
+          <a:srcRect/>
+          <a:stretch>
+            <a:fillRect/>
+          </a:stretch>
+        </p:blipFill>
+        <p:spPr>
+          <a:xfrm>
+            <a:off x="6051046" y="5994067"/>
+            <a:ext cx="5846885" cy="806783"/>
+          </a:xfrm>
+          <a:prstGeom prst="rect">
+            <a:avLst/>
+          </a:prstGeom>
+          <a:noFill/>
+          <a:ln>
+            <a:noFill/>
+          </a:ln>
+        </p:spPr>
+      </p:pic>
     </p:spTree>
     <p:extLst>
       <p:ext uri="{BB962C8B-B14F-4D97-AF65-F5344CB8AC3E}">
-        <p14:creationId xmlns:p14="http://schemas.microsoft.com/office/powerpoint/2010/main" val="2453285398"/>
+        <p14:creationId xmlns:p14="http://schemas.microsoft.com/office/powerpoint/2010/main" val="1411673936"/>
       </p:ext>
     </p:extLst>
   </p:cSld>
   <p:clrMapOvr>
     <a:masterClrMapping/>
   </p:clrMapOvr>
+  <p:timing>
+    <p:tnLst>
+      <p:par>
+        <p:cTn id="1" dur="indefinite" restart="never" nodeType="tmRoot">
+          <p:childTnLst>
+            <p:seq concurrent="1" nextAc="seek">
+              <p:cTn id="2" dur="indefinite" nodeType="mainSeq">
+                <p:childTnLst>
+                  <p:par>
+                    <p:cTn id="3" fill="hold">
+                      <p:stCondLst>
+                        <p:cond delay="indefinite"/>
+                      </p:stCondLst>
+                      <p:childTnLst>
+                        <p:par>
+                          <p:cTn id="4" fill="hold">
+                            <p:stCondLst>
+                              <p:cond delay="0"/>
+                            </p:stCondLst>
+                            <p:childTnLst>
+                              <p:par>
+                                <p:cTn id="5" presetID="10" presetClass="entr" presetSubtype="0" fill="hold" nodeType="clickEffect">
+                                  <p:stCondLst>
+                                    <p:cond delay="0"/>
+                                  </p:stCondLst>
+                                  <p:childTnLst>
+                                    <p:set>
+                                      <p:cBhvr>
+                                        <p:cTn id="6" dur="1" fill="hold">
+                                          <p:stCondLst>
+                                            <p:cond delay="0"/>
+                                          </p:stCondLst>
+                                        </p:cTn>
+                                        <p:tgtEl>
+                                          <p:spTgt spid="5"/>
+                                        </p:tgtEl>
+                                        <p:attrNameLst>
+                                          <p:attrName>style.visibility</p:attrName>
+                                        </p:attrNameLst>
+                                      </p:cBhvr>
+                                      <p:to>
+                                        <p:strVal val="visible"/>
+                                      </p:to>
+                                    </p:set>
+                                    <p:animEffect transition="in" filter="fade">
+                                      <p:cBhvr>
+                                        <p:cTn id="7" dur="500"/>
+                                        <p:tgtEl>
+                                          <p:spTgt spid="5"/>
+                                        </p:tgtEl>
+                                      </p:cBhvr>
+                                    </p:animEffect>
+                                  </p:childTnLst>
+                                </p:cTn>
+                              </p:par>
+                            </p:childTnLst>
+                          </p:cTn>
+                        </p:par>
+                      </p:childTnLst>
+                    </p:cTn>
+                  </p:par>
+                  <p:par>
+                    <p:cTn id="8" fill="hold">
+                      <p:stCondLst>
+                        <p:cond delay="indefinite"/>
+                      </p:stCondLst>
+                      <p:childTnLst>
+                        <p:par>
+                          <p:cTn id="9" fill="hold">
+                            <p:stCondLst>
+                              <p:cond delay="0"/>
+                            </p:stCondLst>
+                            <p:childTnLst>
+                              <p:par>
+                                <p:cTn id="10" presetID="10" presetClass="entr" presetSubtype="0" fill="hold" nodeType="clickEffect">
+                                  <p:stCondLst>
+                                    <p:cond delay="0"/>
+                                  </p:stCondLst>
+                                  <p:childTnLst>
+                                    <p:set>
+                                      <p:cBhvr>
+                                        <p:cTn id="11" dur="1" fill="hold">
+                                          <p:stCondLst>
+                                            <p:cond delay="0"/>
+                                          </p:stCondLst>
+                                        </p:cTn>
+                                        <p:tgtEl>
+                                          <p:spTgt spid="6"/>
+                                        </p:tgtEl>
+                                        <p:attrNameLst>
+                                          <p:attrName>style.visibility</p:attrName>
+                                        </p:attrNameLst>
+                                      </p:cBhvr>
+                                      <p:to>
+                                        <p:strVal val="visible"/>
+                                      </p:to>
+                                    </p:set>
+                                    <p:animEffect transition="in" filter="fade">
+                                      <p:cBhvr>
+                                        <p:cTn id="12" dur="500"/>
+                                        <p:tgtEl>
+                                          <p:spTgt spid="6"/>
+                                        </p:tgtEl>
+                                      </p:cBhvr>
+                                    </p:animEffect>
+                                  </p:childTnLst>
+                                </p:cTn>
+                              </p:par>
+                            </p:childTnLst>
+                          </p:cTn>
+                        </p:par>
+                      </p:childTnLst>
+                    </p:cTn>
+                  </p:par>
+                  <p:par>
+                    <p:cTn id="13" fill="hold">
+                      <p:stCondLst>
+                        <p:cond delay="indefinite"/>
+                      </p:stCondLst>
+                      <p:childTnLst>
+                        <p:par>
+                          <p:cTn id="14" fill="hold">
+                            <p:stCondLst>
+                              <p:cond delay="0"/>
+                            </p:stCondLst>
+                            <p:childTnLst>
+                              <p:par>
+                                <p:cTn id="15" presetID="10" presetClass="entr" presetSubtype="0" fill="hold" nodeType="clickEffect">
+                                  <p:stCondLst>
+                                    <p:cond delay="0"/>
+                                  </p:stCondLst>
+                                  <p:childTnLst>
+                                    <p:set>
+                                      <p:cBhvr>
+                                        <p:cTn id="16" dur="1" fill="hold">
+                                          <p:stCondLst>
+                                            <p:cond delay="0"/>
+                                          </p:stCondLst>
+                                        </p:cTn>
+                                        <p:tgtEl>
+                                          <p:spTgt spid="7"/>
+                                        </p:tgtEl>
+                                        <p:attrNameLst>
+                                          <p:attrName>style.visibility</p:attrName>
+                                        </p:attrNameLst>
+                                      </p:cBhvr>
+                                      <p:to>
+                                        <p:strVal val="visible"/>
+                                      </p:to>
+                                    </p:set>
+                                    <p:animEffect transition="in" filter="fade">
+                                      <p:cBhvr>
+                                        <p:cTn id="17" dur="500"/>
+                                        <p:tgtEl>
+                                          <p:spTgt spid="7"/>
+                                        </p:tgtEl>
+                                      </p:cBhvr>
+                                    </p:animEffect>
+                                  </p:childTnLst>
+                                </p:cTn>
+                              </p:par>
+                            </p:childTnLst>
+                          </p:cTn>
+                        </p:par>
+                      </p:childTnLst>
+                    </p:cTn>
+                  </p:par>
+                  <p:par>
+                    <p:cTn id="18" fill="hold">
+                      <p:stCondLst>
+                        <p:cond delay="indefinite"/>
+                      </p:stCondLst>
+                      <p:childTnLst>
+                        <p:par>
+                          <p:cTn id="19" fill="hold">
+                            <p:stCondLst>
+                              <p:cond delay="0"/>
+                            </p:stCondLst>
+                            <p:childTnLst>
+                              <p:par>
+                                <p:cTn id="20" presetID="10" presetClass="entr" presetSubtype="0" fill="hold" nodeType="clickEffect">
+                                  <p:stCondLst>
+                                    <p:cond delay="0"/>
+                                  </p:stCondLst>
+                                  <p:childTnLst>
+                                    <p:set>
+                                      <p:cBhvr>
+                                        <p:cTn id="21" dur="1" fill="hold">
+                                          <p:stCondLst>
+                                            <p:cond delay="0"/>
+                                          </p:stCondLst>
+                                        </p:cTn>
+                                        <p:tgtEl>
+                                          <p:spTgt spid="9"/>
+                                        </p:tgtEl>
+                                        <p:attrNameLst>
+                                          <p:attrName>style.visibility</p:attrName>
+                                        </p:attrNameLst>
+                                      </p:cBhvr>
+                                      <p:to>
+                                        <p:strVal val="visible"/>
+                                      </p:to>
+                                    </p:set>
+                                    <p:animEffect transition="in" filter="fade">
+                                      <p:cBhvr>
+                                        <p:cTn id="22" dur="500"/>
+                                        <p:tgtEl>
+                                          <p:spTgt spid="9"/>
+                                        </p:tgtEl>
+                                      </p:cBhvr>
+                                    </p:animEffect>
+                                  </p:childTnLst>
+                                </p:cTn>
+                              </p:par>
+                            </p:childTnLst>
+                          </p:cTn>
+                        </p:par>
+                      </p:childTnLst>
+                    </p:cTn>
+                  </p:par>
+                </p:childTnLst>
+              </p:cTn>
+              <p:prevCondLst>
+                <p:cond evt="onPrev" delay="0">
+                  <p:tgtEl>
+                    <p:sldTgt/>
+                  </p:tgtEl>
+                </p:cond>
+              </p:prevCondLst>
+              <p:nextCondLst>
+                <p:cond evt="onNext" delay="0">
+                  <p:tgtEl>
+                    <p:sldTgt/>
+                  </p:tgtEl>
+                </p:cond>
+              </p:nextCondLst>
+            </p:seq>
+          </p:childTnLst>
+        </p:cTn>
+      </p:par>
+    </p:tnLst>
+  </p:timing>
 </p:sld>
 </file>
 
@@ -23300,11 +23558,11 @@
             </a:r>
             <a:r>
               <a:rPr lang="en-US" dirty="0"/>
-              <a:t> – </a:t>
-            </a:r>
-            <a:r>
-              <a:rPr lang="ru-RU" dirty="0"/>
-              <a:t>это класс</a:t>
+              <a:t> (</a:t>
+            </a:r>
+            <a:r>
+              <a:rPr lang="ru-RU" dirty="0"/>
+              <a:t>перечисления)</a:t>
             </a:r>
           </a:p>
         </p:txBody>
@@ -23326,152 +23584,32 @@
           <a:p>
             <a:r>
               <a:rPr lang="ru-RU" dirty="0"/>
-              <a:t>Наследование от </a:t>
+              <a:t>Перечисление позволяет ограничить множество значений, которое может принимать какая-то переменная</a:t>
+            </a:r>
+          </a:p>
+          <a:p>
+            <a:r>
+              <a:rPr lang="ru-RU" dirty="0"/>
+              <a:t>Это позволяет вызывать методы более безопасно, по сравнению с аргументами типа </a:t>
             </a:r>
             <a:r>
               <a:rPr lang="en-US" dirty="0" err="1"/>
-              <a:t>Enum</a:t>
+              <a:t>int</a:t>
             </a:r>
             <a:r>
               <a:rPr lang="en-US" dirty="0"/>
-              <a:t> </a:t>
-            </a:r>
-            <a:r>
-              <a:rPr lang="ru-RU" dirty="0"/>
-              <a:t>позволяет использовать</a:t>
-            </a:r>
-            <a:br>
-              <a:rPr lang="ru-RU" dirty="0"/>
-            </a:br>
-            <a:r>
-              <a:rPr lang="ru-RU" dirty="0"/>
-              <a:t>методы</a:t>
-            </a:r>
-            <a:r>
-              <a:rPr lang="en-US" dirty="0"/>
-              <a:t>:</a:t>
-            </a:r>
-          </a:p>
-          <a:p>
-            <a:pPr lvl="1"/>
-            <a:r>
-              <a:rPr lang="en-US" b="1" dirty="0"/>
-              <a:t>name()</a:t>
-            </a:r>
-            <a:r>
-              <a:rPr lang="en-US" dirty="0"/>
-              <a:t> – </a:t>
-            </a:r>
-            <a:r>
-              <a:rPr lang="ru-RU" dirty="0"/>
-              <a:t>выводит имя элемента (</a:t>
-            </a:r>
-            <a:r>
-              <a:rPr lang="en-US" dirty="0"/>
-              <a:t>SPRING, SUMMER,...)</a:t>
-            </a:r>
-          </a:p>
-          <a:p>
-            <a:pPr lvl="1"/>
-            <a:r>
-              <a:rPr lang="en-US" b="1" dirty="0"/>
-              <a:t>ordinal()</a:t>
-            </a:r>
-            <a:r>
-              <a:rPr lang="en-US" dirty="0"/>
-              <a:t> </a:t>
-            </a:r>
-            <a:r>
-              <a:rPr lang="ru-RU" dirty="0"/>
-              <a:t>выводит порядковый номер элемента</a:t>
-            </a:r>
-          </a:p>
-          <a:p>
-            <a:pPr lvl="1"/>
-            <a:r>
-              <a:rPr lang="en-US" b="1" dirty="0"/>
-              <a:t>values</a:t>
-            </a:r>
-            <a:r>
-              <a:rPr lang="en-US" dirty="0"/>
-              <a:t>() </a:t>
-            </a:r>
-            <a:r>
-              <a:rPr lang="ru-RU" dirty="0"/>
-              <a:t>возвращает массив со всеми элементами</a:t>
-            </a:r>
-            <a:endParaRPr lang="en-US" dirty="0"/>
-          </a:p>
-          <a:p>
-            <a:pPr lvl="1"/>
-            <a:r>
-              <a:rPr lang="en-US" b="1" dirty="0" err="1"/>
-              <a:t>valueOf</a:t>
-            </a:r>
-            <a:r>
-              <a:rPr lang="en-US" b="1" dirty="0"/>
-              <a:t>(String)</a:t>
-            </a:r>
-            <a:r>
-              <a:rPr lang="en-US" dirty="0"/>
-              <a:t> </a:t>
-            </a:r>
-            <a:r>
-              <a:rPr lang="ru-RU" dirty="0"/>
-              <a:t>возвращает элемент перечисления с заданным именем</a:t>
-            </a:r>
-          </a:p>
-          <a:p>
-            <a:r>
-              <a:rPr lang="ru-RU" dirty="0"/>
-              <a:t>Учитывая, что все элементы </a:t>
-            </a:r>
-            <a:r>
-              <a:rPr lang="en-US" dirty="0" err="1"/>
-              <a:t>enum’a</a:t>
-            </a:r>
-            <a:r>
-              <a:rPr lang="en-US" dirty="0"/>
-              <a:t> </a:t>
-            </a:r>
-            <a:r>
-              <a:rPr lang="ru-RU" dirty="0"/>
-              <a:t>статические и создаются в единственном экземпляре – их  можно безопасно сравнивать через </a:t>
-            </a:r>
-            <a:r>
-              <a:rPr lang="ru-RU" b="1" dirty="0"/>
-              <a:t>==</a:t>
-            </a:r>
-            <a:endParaRPr lang="en-US" b="1" dirty="0"/>
-          </a:p>
-          <a:p>
-            <a:r>
-              <a:rPr lang="ru-RU" dirty="0"/>
-              <a:t>в </a:t>
-            </a:r>
-            <a:r>
-              <a:rPr lang="en-US" dirty="0" err="1"/>
-              <a:t>enum</a:t>
-            </a:r>
-            <a:r>
-              <a:rPr lang="en-US" dirty="0"/>
-              <a:t> </a:t>
-            </a:r>
-            <a:r>
-              <a:rPr lang="ru-RU" dirty="0"/>
-              <a:t>могут быть дополнительные поля и методы - </a:t>
-            </a:r>
-            <a:r>
-              <a:rPr lang="en-US" dirty="0"/>
-              <a:t>Demo</a:t>
-            </a:r>
-            <a:endParaRPr lang="ru-RU" dirty="0"/>
+              <a:t>/String </a:t>
+            </a:r>
+            <a:r>
+              <a:rPr lang="ru-RU" dirty="0"/>
+              <a:t>и константами</a:t>
+            </a:r>
           </a:p>
         </p:txBody>
       </p:sp>
       <p:pic>
         <p:nvPicPr>
-          <p:cNvPr id="9" name="Picture 8"/>
+          <p:cNvPr id="4" name="Picture 3"/>
           <p:cNvPicPr>
             <a:picLocks noChangeAspect="1"/>
           </p:cNvPicPr>
@@ -23485,8 +23623,8 @@
         </p:blipFill>
         <p:spPr>
           <a:xfrm>
-            <a:off x="6723917" y="679572"/>
-            <a:ext cx="5391150" cy="2105025"/>
+            <a:off x="1248508" y="3850612"/>
+            <a:ext cx="5562600" cy="2190750"/>
           </a:xfrm>
           <a:prstGeom prst="rect">
             <a:avLst/>
@@ -23496,7 +23634,178 @@
     </p:spTree>
     <p:extLst>
       <p:ext uri="{BB962C8B-B14F-4D97-AF65-F5344CB8AC3E}">
-        <p14:creationId xmlns:p14="http://schemas.microsoft.com/office/powerpoint/2010/main" val="2642956631"/>
+        <p14:creationId xmlns:p14="http://schemas.microsoft.com/office/powerpoint/2010/main" val="746854813"/>
+      </p:ext>
+    </p:extLst>
+  </p:cSld>
+  <p:clrMapOvr>
+    <a:masterClrMapping/>
+  </p:clrMapOvr>
+</p:sld>
+</file>
+
+<file path=ppt/slides/slide49.xml><?xml version="1.0" encoding="utf-8"?>
+<p:sld xmlns:a="http://schemas.openxmlformats.org/drawingml/2006/main" xmlns:r="http://schemas.openxmlformats.org/officeDocument/2006/relationships" xmlns:p="http://schemas.openxmlformats.org/presentationml/2006/main">
+  <p:cSld>
+    <p:spTree>
+      <p:nvGrpSpPr>
+        <p:cNvPr id="1" name=""/>
+        <p:cNvGrpSpPr/>
+        <p:nvPr/>
+      </p:nvGrpSpPr>
+      <p:grpSpPr>
+        <a:xfrm>
+          <a:off x="0" y="0"/>
+          <a:ext cx="0" cy="0"/>
+          <a:chOff x="0" y="0"/>
+          <a:chExt cx="0" cy="0"/>
+        </a:xfrm>
+      </p:grpSpPr>
+      <p:sp>
+        <p:nvSpPr>
+          <p:cNvPr id="2" name="Title 1"/>
+          <p:cNvSpPr>
+            <a:spLocks noGrp="1"/>
+          </p:cNvSpPr>
+          <p:nvPr>
+            <p:ph type="title"/>
+          </p:nvPr>
+        </p:nvSpPr>
+        <p:spPr/>
+        <p:txBody>
+          <a:bodyPr/>
+          <a:lstStyle/>
+          <a:p>
+            <a:r>
+              <a:rPr lang="ru-RU" dirty="0"/>
+              <a:t>Объявление и использование </a:t>
+            </a:r>
+            <a:r>
+              <a:rPr lang="en-US" dirty="0" err="1"/>
+              <a:t>enum</a:t>
+            </a:r>
+            <a:endParaRPr lang="ru-RU" dirty="0"/>
+          </a:p>
+        </p:txBody>
+      </p:sp>
+      <p:sp>
+        <p:nvSpPr>
+          <p:cNvPr id="3" name="Content Placeholder 2"/>
+          <p:cNvSpPr>
+            <a:spLocks noGrp="1"/>
+          </p:cNvSpPr>
+          <p:nvPr>
+            <p:ph idx="1"/>
+          </p:nvPr>
+        </p:nvSpPr>
+        <p:spPr/>
+        <p:txBody>
+          <a:bodyPr>
+            <a:normAutofit/>
+          </a:bodyPr>
+          <a:lstStyle/>
+          <a:p>
+            <a:r>
+              <a:rPr lang="en-US" sz="1600" dirty="0" err="1"/>
+              <a:t>enum</a:t>
+            </a:r>
+            <a:r>
+              <a:rPr lang="en-US" sz="1600" dirty="0"/>
+              <a:t> – </a:t>
+            </a:r>
+            <a:r>
+              <a:rPr lang="ru-RU" sz="1600" dirty="0"/>
+              <a:t>это тип</a:t>
+            </a:r>
+          </a:p>
+          <a:p>
+            <a:r>
+              <a:rPr lang="en-US" sz="1600" dirty="0" err="1"/>
+              <a:t>enum</a:t>
+            </a:r>
+            <a:r>
+              <a:rPr lang="en-US" sz="1600" dirty="0"/>
+              <a:t> </a:t>
+            </a:r>
+            <a:r>
+              <a:rPr lang="ru-RU" sz="1600" dirty="0"/>
+              <a:t>объявляется как класс, но с ключевым словом </a:t>
+            </a:r>
+            <a:r>
+              <a:rPr lang="en-US" sz="1600" b="1" dirty="0" err="1"/>
+              <a:t>enum</a:t>
+            </a:r>
+            <a:endParaRPr lang="en-US" sz="1600" b="1" dirty="0"/>
+          </a:p>
+          <a:p>
+            <a:r>
+              <a:rPr lang="ru-RU" sz="1600" dirty="0"/>
+              <a:t>Для доступа к элементам перечисления используется</a:t>
+            </a:r>
+            <a:br>
+              <a:rPr lang="ru-RU" sz="1600" dirty="0"/>
+            </a:br>
+            <a:r>
+              <a:rPr lang="ru-RU" sz="1600" dirty="0"/>
+              <a:t>синтаксис, похожий на доступ к статическим переменным:</a:t>
+            </a:r>
+            <a:br>
+              <a:rPr lang="ru-RU" sz="1600" dirty="0"/>
+            </a:br>
+            <a:r>
+              <a:rPr lang="ru-RU" sz="1600" b="1" dirty="0"/>
+              <a:t>Имя</a:t>
+            </a:r>
+            <a:r>
+              <a:rPr lang="en-US" sz="1600" b="1" dirty="0" err="1"/>
+              <a:t>Enum</a:t>
+            </a:r>
+            <a:r>
+              <a:rPr lang="en-US" sz="1600" b="1" dirty="0"/>
+              <a:t>.</a:t>
+            </a:r>
+            <a:r>
+              <a:rPr lang="ru-RU" sz="1600" b="1" dirty="0"/>
+              <a:t>ИМЯ_ЭЛЕМЕНТА</a:t>
+            </a:r>
+            <a:endParaRPr lang="en-US" sz="1600" b="1" dirty="0"/>
+          </a:p>
+          <a:p>
+            <a:pPr marL="0" indent="0">
+              <a:buNone/>
+            </a:pPr>
+            <a:endParaRPr lang="ru-RU" sz="1600" b="1" dirty="0"/>
+          </a:p>
+        </p:txBody>
+      </p:sp>
+      <p:pic>
+        <p:nvPicPr>
+          <p:cNvPr id="4" name="Picture 3"/>
+          <p:cNvPicPr>
+            <a:picLocks noChangeAspect="1"/>
+          </p:cNvPicPr>
+          <p:nvPr/>
+        </p:nvPicPr>
+        <p:blipFill>
+          <a:blip r:embed="rId2"/>
+          <a:stretch>
+            <a:fillRect/>
+          </a:stretch>
+        </p:blipFill>
+        <p:spPr>
+          <a:xfrm>
+            <a:off x="7067550" y="1527543"/>
+            <a:ext cx="5124450" cy="3829050"/>
+          </a:xfrm>
+          <a:prstGeom prst="rect">
+            <a:avLst/>
+          </a:prstGeom>
+        </p:spPr>
+      </p:pic>
+    </p:spTree>
+    <p:extLst>
+      <p:ext uri="{BB962C8B-B14F-4D97-AF65-F5344CB8AC3E}">
+        <p14:creationId xmlns:p14="http://schemas.microsoft.com/office/powerpoint/2010/main" val="212533901"/>
       </p:ext>
     </p:extLst>
   </p:cSld>
@@ -23677,6 +23986,465 @@
     <p:extLst>
       <p:ext uri="{BB962C8B-B14F-4D97-AF65-F5344CB8AC3E}">
         <p14:creationId xmlns:p14="http://schemas.microsoft.com/office/powerpoint/2010/main" val="4083869117"/>
+      </p:ext>
+    </p:extLst>
+  </p:cSld>
+  <p:clrMapOvr>
+    <a:masterClrMapping/>
+  </p:clrMapOvr>
+</p:sld>
+</file>
+
+<file path=ppt/slides/slide50.xml><?xml version="1.0" encoding="utf-8"?>
+<p:sld xmlns:a="http://schemas.openxmlformats.org/drawingml/2006/main" xmlns:r="http://schemas.openxmlformats.org/officeDocument/2006/relationships" xmlns:p="http://schemas.openxmlformats.org/presentationml/2006/main">
+  <p:cSld>
+    <p:spTree>
+      <p:nvGrpSpPr>
+        <p:cNvPr id="1" name=""/>
+        <p:cNvGrpSpPr/>
+        <p:nvPr/>
+      </p:nvGrpSpPr>
+      <p:grpSpPr>
+        <a:xfrm>
+          <a:off x="0" y="0"/>
+          <a:ext cx="0" cy="0"/>
+          <a:chOff x="0" y="0"/>
+          <a:chExt cx="0" cy="0"/>
+        </a:xfrm>
+      </p:grpSpPr>
+      <p:sp>
+        <p:nvSpPr>
+          <p:cNvPr id="2" name="Title 1"/>
+          <p:cNvSpPr>
+            <a:spLocks noGrp="1"/>
+          </p:cNvSpPr>
+          <p:nvPr>
+            <p:ph type="title"/>
+          </p:nvPr>
+        </p:nvSpPr>
+        <p:spPr/>
+        <p:txBody>
+          <a:bodyPr/>
+          <a:lstStyle/>
+          <a:p>
+            <a:r>
+              <a:rPr lang="en-US" dirty="0" err="1"/>
+              <a:t>Enum</a:t>
+            </a:r>
+            <a:r>
+              <a:rPr lang="en-US" dirty="0"/>
+              <a:t> – </a:t>
+            </a:r>
+            <a:r>
+              <a:rPr lang="ru-RU" dirty="0"/>
+              <a:t>это класс</a:t>
+            </a:r>
+          </a:p>
+        </p:txBody>
+      </p:sp>
+      <p:sp>
+        <p:nvSpPr>
+          <p:cNvPr id="3" name="Content Placeholder 2"/>
+          <p:cNvSpPr>
+            <a:spLocks noGrp="1"/>
+          </p:cNvSpPr>
+          <p:nvPr>
+            <p:ph idx="1"/>
+          </p:nvPr>
+        </p:nvSpPr>
+        <p:spPr/>
+        <p:txBody>
+          <a:bodyPr/>
+          <a:lstStyle/>
+          <a:p>
+            <a:r>
+              <a:rPr lang="ru-RU" dirty="0"/>
+              <a:t>Объявляя </a:t>
+            </a:r>
+            <a:r>
+              <a:rPr lang="en-US" dirty="0" err="1"/>
+              <a:t>enum</a:t>
+            </a:r>
+            <a:r>
+              <a:rPr lang="en-US" dirty="0"/>
+              <a:t> </a:t>
+            </a:r>
+            <a:r>
+              <a:rPr lang="ru-RU" dirty="0"/>
+              <a:t>мы неявно создаем класс производный от </a:t>
+            </a:r>
+            <a:r>
+              <a:rPr lang="en-US" dirty="0" err="1"/>
+              <a:t>java.lang.Enum</a:t>
+            </a:r>
+            <a:r>
+              <a:rPr lang="en-US" dirty="0"/>
+              <a:t>. </a:t>
+            </a:r>
+            <a:endParaRPr lang="ru-RU" dirty="0"/>
+          </a:p>
+          <a:p>
+            <a:pPr marL="0" indent="0">
+              <a:buNone/>
+            </a:pPr>
+            <a:br>
+              <a:rPr lang="ru-RU" dirty="0"/>
+            </a:br>
+            <a:r>
+              <a:rPr lang="en-US" b="1" dirty="0" err="1"/>
+              <a:t>enum</a:t>
+            </a:r>
+            <a:r>
+              <a:rPr lang="en-US" b="1" dirty="0"/>
+              <a:t> Season { ... }</a:t>
+            </a:r>
+            <a:r>
+              <a:rPr lang="en-US" dirty="0"/>
+              <a:t> </a:t>
+            </a:r>
+            <a:br>
+              <a:rPr lang="ru-RU" dirty="0"/>
+            </a:br>
+            <a:r>
+              <a:rPr lang="ru-RU" dirty="0"/>
+              <a:t>неявно преобразовывается в </a:t>
+            </a:r>
+            <a:br>
+              <a:rPr lang="ru-RU" dirty="0"/>
+            </a:br>
+            <a:r>
+              <a:rPr lang="ru-RU" dirty="0"/>
+              <a:t> </a:t>
+            </a:r>
+            <a:r>
+              <a:rPr lang="en-US" b="1" dirty="0"/>
+              <a:t>class Season extends </a:t>
+            </a:r>
+            <a:r>
+              <a:rPr lang="en-US" b="1" dirty="0" err="1"/>
+              <a:t>java.lang.Enum</a:t>
+            </a:r>
+            <a:r>
+              <a:rPr lang="en-US" b="1" dirty="0"/>
+              <a:t> { ... }</a:t>
+            </a:r>
+            <a:r>
+              <a:rPr lang="en-US" dirty="0"/>
+              <a:t>. </a:t>
+            </a:r>
+          </a:p>
+          <a:p>
+            <a:r>
+              <a:rPr lang="ru-RU" dirty="0"/>
+              <a:t>Явным образом наследоваться от </a:t>
+            </a:r>
+            <a:r>
+              <a:rPr lang="en-US" dirty="0" err="1"/>
+              <a:t>java.lang.Enum</a:t>
+            </a:r>
+            <a:r>
+              <a:rPr lang="en-US" dirty="0"/>
+              <a:t> </a:t>
+            </a:r>
+            <a:r>
+              <a:rPr lang="ru-RU" dirty="0"/>
+              <a:t>не позволяет компилятор, но: </a:t>
+            </a:r>
+          </a:p>
+          <a:p>
+            <a:pPr marL="0" indent="0">
+              <a:buNone/>
+            </a:pPr>
+            <a:r>
+              <a:rPr lang="en-US" b="1" dirty="0" err="1"/>
+              <a:t>System.out.println</a:t>
+            </a:r>
+            <a:r>
+              <a:rPr lang="en-US" b="1" dirty="0"/>
+              <a:t>(</a:t>
+            </a:r>
+            <a:r>
+              <a:rPr lang="en-US" b="1" dirty="0" err="1"/>
+              <a:t>Season.class.getSuperclass</a:t>
+            </a:r>
+            <a:r>
+              <a:rPr lang="en-US" b="1" dirty="0"/>
+              <a:t>());</a:t>
+            </a:r>
+          </a:p>
+          <a:p>
+            <a:pPr marL="0" indent="0">
+              <a:buNone/>
+            </a:pPr>
+            <a:r>
+              <a:rPr lang="ru-RU" dirty="0"/>
+              <a:t>выводит:</a:t>
+            </a:r>
+          </a:p>
+          <a:p>
+            <a:pPr marL="0" indent="0">
+              <a:buNone/>
+            </a:pPr>
+            <a:r>
+              <a:rPr lang="en-US" b="1" dirty="0"/>
+              <a:t>class </a:t>
+            </a:r>
+            <a:r>
+              <a:rPr lang="en-US" b="1" dirty="0" err="1"/>
+              <a:t>java.lang.Enum</a:t>
+            </a:r>
+            <a:endParaRPr lang="ru-RU" b="1" dirty="0"/>
+          </a:p>
+        </p:txBody>
+      </p:sp>
+    </p:spTree>
+    <p:extLst>
+      <p:ext uri="{BB962C8B-B14F-4D97-AF65-F5344CB8AC3E}">
+        <p14:creationId xmlns:p14="http://schemas.microsoft.com/office/powerpoint/2010/main" val="2453285398"/>
+      </p:ext>
+    </p:extLst>
+  </p:cSld>
+  <p:clrMapOvr>
+    <a:masterClrMapping/>
+  </p:clrMapOvr>
+</p:sld>
+</file>
+
+<file path=ppt/slides/slide51.xml><?xml version="1.0" encoding="utf-8"?>
+<p:sld xmlns:a="http://schemas.openxmlformats.org/drawingml/2006/main" xmlns:r="http://schemas.openxmlformats.org/officeDocument/2006/relationships" xmlns:p="http://schemas.openxmlformats.org/presentationml/2006/main">
+  <p:cSld>
+    <p:spTree>
+      <p:nvGrpSpPr>
+        <p:cNvPr id="1" name=""/>
+        <p:cNvGrpSpPr/>
+        <p:nvPr/>
+      </p:nvGrpSpPr>
+      <p:grpSpPr>
+        <a:xfrm>
+          <a:off x="0" y="0"/>
+          <a:ext cx="0" cy="0"/>
+          <a:chOff x="0" y="0"/>
+          <a:chExt cx="0" cy="0"/>
+        </a:xfrm>
+      </p:grpSpPr>
+      <p:sp>
+        <p:nvSpPr>
+          <p:cNvPr id="2" name="Title 1"/>
+          <p:cNvSpPr>
+            <a:spLocks noGrp="1"/>
+          </p:cNvSpPr>
+          <p:nvPr>
+            <p:ph type="title"/>
+          </p:nvPr>
+        </p:nvSpPr>
+        <p:spPr/>
+        <p:txBody>
+          <a:bodyPr/>
+          <a:lstStyle/>
+          <a:p>
+            <a:r>
+              <a:rPr lang="en-US" dirty="0" err="1"/>
+              <a:t>Enum</a:t>
+            </a:r>
+            <a:r>
+              <a:rPr lang="en-US" dirty="0"/>
+              <a:t> – </a:t>
+            </a:r>
+            <a:r>
+              <a:rPr lang="ru-RU" dirty="0"/>
+              <a:t>это класс</a:t>
+            </a:r>
+          </a:p>
+        </p:txBody>
+      </p:sp>
+      <p:sp>
+        <p:nvSpPr>
+          <p:cNvPr id="3" name="Content Placeholder 2"/>
+          <p:cNvSpPr>
+            <a:spLocks noGrp="1"/>
+          </p:cNvSpPr>
+          <p:nvPr>
+            <p:ph idx="1"/>
+          </p:nvPr>
+        </p:nvSpPr>
+        <p:spPr/>
+        <p:txBody>
+          <a:bodyPr/>
+          <a:lstStyle/>
+          <a:p>
+            <a:r>
+              <a:rPr lang="ru-RU" dirty="0"/>
+              <a:t>Наследование от </a:t>
+            </a:r>
+            <a:r>
+              <a:rPr lang="en-US" dirty="0" err="1"/>
+              <a:t>Enum</a:t>
+            </a:r>
+            <a:r>
+              <a:rPr lang="en-US" dirty="0"/>
+              <a:t> </a:t>
+            </a:r>
+            <a:r>
+              <a:rPr lang="ru-RU" dirty="0"/>
+              <a:t>позволяет использовать</a:t>
+            </a:r>
+            <a:br>
+              <a:rPr lang="ru-RU" dirty="0"/>
+            </a:br>
+            <a:r>
+              <a:rPr lang="ru-RU" dirty="0"/>
+              <a:t>методы</a:t>
+            </a:r>
+            <a:r>
+              <a:rPr lang="en-US" dirty="0"/>
+              <a:t>:</a:t>
+            </a:r>
+          </a:p>
+          <a:p>
+            <a:pPr lvl="1"/>
+            <a:r>
+              <a:rPr lang="en-US" b="1" dirty="0"/>
+              <a:t>name()</a:t>
+            </a:r>
+            <a:r>
+              <a:rPr lang="en-US" dirty="0"/>
+              <a:t> – </a:t>
+            </a:r>
+            <a:r>
+              <a:rPr lang="ru-RU" dirty="0"/>
+              <a:t>выводит имя элемента (</a:t>
+            </a:r>
+            <a:r>
+              <a:rPr lang="en-US" dirty="0"/>
+              <a:t>SPRING, SUMMER,...)</a:t>
+            </a:r>
+          </a:p>
+          <a:p>
+            <a:pPr lvl="1"/>
+            <a:r>
+              <a:rPr lang="en-US" b="1" dirty="0"/>
+              <a:t>ordinal()</a:t>
+            </a:r>
+            <a:r>
+              <a:rPr lang="en-US" dirty="0"/>
+              <a:t> </a:t>
+            </a:r>
+            <a:r>
+              <a:rPr lang="ru-RU" dirty="0"/>
+              <a:t>выводит порядковый номер элемента</a:t>
+            </a:r>
+          </a:p>
+          <a:p>
+            <a:pPr lvl="1"/>
+            <a:r>
+              <a:rPr lang="en-US" b="1" dirty="0"/>
+              <a:t>values</a:t>
+            </a:r>
+            <a:r>
+              <a:rPr lang="en-US" dirty="0"/>
+              <a:t>() </a:t>
+            </a:r>
+            <a:r>
+              <a:rPr lang="ru-RU" dirty="0"/>
+              <a:t>возвращает массив со всеми элементами</a:t>
+            </a:r>
+            <a:endParaRPr lang="en-US" dirty="0"/>
+          </a:p>
+          <a:p>
+            <a:pPr lvl="1"/>
+            <a:r>
+              <a:rPr lang="en-US" b="1" dirty="0" err="1"/>
+              <a:t>valueOf</a:t>
+            </a:r>
+            <a:r>
+              <a:rPr lang="en-US" b="1" dirty="0"/>
+              <a:t>(String)</a:t>
+            </a:r>
+            <a:r>
+              <a:rPr lang="en-US" dirty="0"/>
+              <a:t> </a:t>
+            </a:r>
+            <a:r>
+              <a:rPr lang="ru-RU" dirty="0"/>
+              <a:t>возвращает элемент перечисления с заданным именем</a:t>
+            </a:r>
+          </a:p>
+          <a:p>
+            <a:r>
+              <a:rPr lang="ru-RU" dirty="0"/>
+              <a:t>Учитывая, что все элементы </a:t>
+            </a:r>
+            <a:r>
+              <a:rPr lang="en-US" dirty="0" err="1"/>
+              <a:t>enum’a</a:t>
+            </a:r>
+            <a:r>
+              <a:rPr lang="en-US" dirty="0"/>
+              <a:t> </a:t>
+            </a:r>
+            <a:r>
+              <a:rPr lang="ru-RU" dirty="0"/>
+              <a:t>статические и создаются в единственном экземпляре – их  можно безопасно сравнивать через </a:t>
+            </a:r>
+            <a:r>
+              <a:rPr lang="ru-RU" b="1" dirty="0"/>
+              <a:t>==</a:t>
+            </a:r>
+            <a:endParaRPr lang="en-US" b="1" dirty="0"/>
+          </a:p>
+          <a:p>
+            <a:r>
+              <a:rPr lang="ru-RU" dirty="0"/>
+              <a:t>в </a:t>
+            </a:r>
+            <a:r>
+              <a:rPr lang="en-US" dirty="0" err="1"/>
+              <a:t>enum</a:t>
+            </a:r>
+            <a:r>
+              <a:rPr lang="en-US" dirty="0"/>
+              <a:t> </a:t>
+            </a:r>
+            <a:r>
+              <a:rPr lang="ru-RU" dirty="0"/>
+              <a:t>могут быть дополнительные поля и методы - </a:t>
+            </a:r>
+            <a:r>
+              <a:rPr lang="en-US" dirty="0"/>
+              <a:t>Demo</a:t>
+            </a:r>
+            <a:endParaRPr lang="ru-RU" dirty="0"/>
+          </a:p>
+        </p:txBody>
+      </p:sp>
+      <p:pic>
+        <p:nvPicPr>
+          <p:cNvPr id="9" name="Picture 8"/>
+          <p:cNvPicPr>
+            <a:picLocks noChangeAspect="1"/>
+          </p:cNvPicPr>
+          <p:nvPr/>
+        </p:nvPicPr>
+        <p:blipFill>
+          <a:blip r:embed="rId2"/>
+          <a:stretch>
+            <a:fillRect/>
+          </a:stretch>
+        </p:blipFill>
+        <p:spPr>
+          <a:xfrm>
+            <a:off x="6723917" y="679572"/>
+            <a:ext cx="5391150" cy="2105025"/>
+          </a:xfrm>
+          <a:prstGeom prst="rect">
+            <a:avLst/>
+          </a:prstGeom>
+        </p:spPr>
+      </p:pic>
+    </p:spTree>
+    <p:extLst>
+      <p:ext uri="{BB962C8B-B14F-4D97-AF65-F5344CB8AC3E}">
+        <p14:creationId xmlns:p14="http://schemas.microsoft.com/office/powerpoint/2010/main" val="2642956631"/>
       </p:ext>
     </p:extLst>
   </p:cSld>
